--- a/Chap/OOProg02/Presentations/InheritanceObject.pptx
+++ b/Chap/OOProg02/Presentations/InheritanceObject.pptx
@@ -244,7 +244,7 @@
           <a:p>
             <a:fld id="{E15B7D8E-2A20-4C0E-991C-872DBB7459A8}" type="datetimeFigureOut">
               <a:rPr lang="da-DK" smtClean="0"/>
-              <a:t>12-08-2022</a:t>
+              <a:t>26-08-2024</a:t>
             </a:fld>
             <a:endParaRPr lang="da-DK"/>
           </a:p>
@@ -302,6 +302,18 @@
   <p:clrMapOvr>
     <a:masterClrMapping/>
   </p:clrMapOvr>
+  <mc:AlternateContent xmlns:mc="http://schemas.openxmlformats.org/markup-compatibility/2006">
+    <mc:Choice xmlns:p14="http://schemas.microsoft.com/office/powerpoint/2010/main" Requires="p14">
+      <p:transition spd="med" p14:dur="700">
+        <p:fade/>
+      </p:transition>
+    </mc:Choice>
+    <mc:Fallback>
+      <p:transition spd="med">
+        <p:fade/>
+      </p:transition>
+    </mc:Fallback>
+  </mc:AlternateContent>
 </p:sldLayout>
 </file>
 
@@ -412,7 +424,7 @@
           <a:p>
             <a:fld id="{E15B7D8E-2A20-4C0E-991C-872DBB7459A8}" type="datetimeFigureOut">
               <a:rPr lang="da-DK" smtClean="0"/>
-              <a:t>12-08-2022</a:t>
+              <a:t>26-08-2024</a:t>
             </a:fld>
             <a:endParaRPr lang="da-DK"/>
           </a:p>
@@ -470,6 +482,18 @@
   <p:clrMapOvr>
     <a:masterClrMapping/>
   </p:clrMapOvr>
+  <mc:AlternateContent xmlns:mc="http://schemas.openxmlformats.org/markup-compatibility/2006">
+    <mc:Choice xmlns:p14="http://schemas.microsoft.com/office/powerpoint/2010/main" Requires="p14">
+      <p:transition spd="med" p14:dur="700">
+        <p:fade/>
+      </p:transition>
+    </mc:Choice>
+    <mc:Fallback>
+      <p:transition spd="med">
+        <p:fade/>
+      </p:transition>
+    </mc:Fallback>
+  </mc:AlternateContent>
 </p:sldLayout>
 </file>
 
@@ -590,7 +614,7 @@
           <a:p>
             <a:fld id="{E15B7D8E-2A20-4C0E-991C-872DBB7459A8}" type="datetimeFigureOut">
               <a:rPr lang="da-DK" smtClean="0"/>
-              <a:t>12-08-2022</a:t>
+              <a:t>26-08-2024</a:t>
             </a:fld>
             <a:endParaRPr lang="da-DK"/>
           </a:p>
@@ -648,6 +672,18 @@
   <p:clrMapOvr>
     <a:masterClrMapping/>
   </p:clrMapOvr>
+  <mc:AlternateContent xmlns:mc="http://schemas.openxmlformats.org/markup-compatibility/2006">
+    <mc:Choice xmlns:p14="http://schemas.microsoft.com/office/powerpoint/2010/main" Requires="p14">
+      <p:transition spd="med" p14:dur="700">
+        <p:fade/>
+      </p:transition>
+    </mc:Choice>
+    <mc:Fallback>
+      <p:transition spd="med">
+        <p:fade/>
+      </p:transition>
+    </mc:Fallback>
+  </mc:AlternateContent>
 </p:sldLayout>
 </file>
 
@@ -758,7 +794,7 @@
           <a:p>
             <a:fld id="{E15B7D8E-2A20-4C0E-991C-872DBB7459A8}" type="datetimeFigureOut">
               <a:rPr lang="da-DK" smtClean="0"/>
-              <a:t>12-08-2022</a:t>
+              <a:t>26-08-2024</a:t>
             </a:fld>
             <a:endParaRPr lang="da-DK"/>
           </a:p>
@@ -816,6 +852,18 @@
   <p:clrMapOvr>
     <a:masterClrMapping/>
   </p:clrMapOvr>
+  <mc:AlternateContent xmlns:mc="http://schemas.openxmlformats.org/markup-compatibility/2006">
+    <mc:Choice xmlns:p14="http://schemas.microsoft.com/office/powerpoint/2010/main" Requires="p14">
+      <p:transition spd="med" p14:dur="700">
+        <p:fade/>
+      </p:transition>
+    </mc:Choice>
+    <mc:Fallback>
+      <p:transition spd="med">
+        <p:fade/>
+      </p:transition>
+    </mc:Fallback>
+  </mc:AlternateContent>
 </p:sldLayout>
 </file>
 
@@ -1003,7 +1051,7 @@
           <a:p>
             <a:fld id="{E15B7D8E-2A20-4C0E-991C-872DBB7459A8}" type="datetimeFigureOut">
               <a:rPr lang="da-DK" smtClean="0"/>
-              <a:t>12-08-2022</a:t>
+              <a:t>26-08-2024</a:t>
             </a:fld>
             <a:endParaRPr lang="da-DK"/>
           </a:p>
@@ -1061,6 +1109,18 @@
   <p:clrMapOvr>
     <a:masterClrMapping/>
   </p:clrMapOvr>
+  <mc:AlternateContent xmlns:mc="http://schemas.openxmlformats.org/markup-compatibility/2006">
+    <mc:Choice xmlns:p14="http://schemas.microsoft.com/office/powerpoint/2010/main" Requires="p14">
+      <p:transition spd="med" p14:dur="700">
+        <p:fade/>
+      </p:transition>
+    </mc:Choice>
+    <mc:Fallback>
+      <p:transition spd="med">
+        <p:fade/>
+      </p:transition>
+    </mc:Fallback>
+  </mc:AlternateContent>
 </p:sldLayout>
 </file>
 
@@ -1232,7 +1292,7 @@
           <a:p>
             <a:fld id="{E15B7D8E-2A20-4C0E-991C-872DBB7459A8}" type="datetimeFigureOut">
               <a:rPr lang="da-DK" smtClean="0"/>
-              <a:t>12-08-2022</a:t>
+              <a:t>26-08-2024</a:t>
             </a:fld>
             <a:endParaRPr lang="da-DK"/>
           </a:p>
@@ -1290,6 +1350,18 @@
   <p:clrMapOvr>
     <a:masterClrMapping/>
   </p:clrMapOvr>
+  <mc:AlternateContent xmlns:mc="http://schemas.openxmlformats.org/markup-compatibility/2006">
+    <mc:Choice xmlns:p14="http://schemas.microsoft.com/office/powerpoint/2010/main" Requires="p14">
+      <p:transition spd="med" p14:dur="700">
+        <p:fade/>
+      </p:transition>
+    </mc:Choice>
+    <mc:Fallback>
+      <p:transition spd="med">
+        <p:fade/>
+      </p:transition>
+    </mc:Fallback>
+  </mc:AlternateContent>
 </p:sldLayout>
 </file>
 
@@ -1596,7 +1668,7 @@
           <a:p>
             <a:fld id="{E15B7D8E-2A20-4C0E-991C-872DBB7459A8}" type="datetimeFigureOut">
               <a:rPr lang="da-DK" smtClean="0"/>
-              <a:t>12-08-2022</a:t>
+              <a:t>26-08-2024</a:t>
             </a:fld>
             <a:endParaRPr lang="da-DK"/>
           </a:p>
@@ -1654,6 +1726,18 @@
   <p:clrMapOvr>
     <a:masterClrMapping/>
   </p:clrMapOvr>
+  <mc:AlternateContent xmlns:mc="http://schemas.openxmlformats.org/markup-compatibility/2006">
+    <mc:Choice xmlns:p14="http://schemas.microsoft.com/office/powerpoint/2010/main" Requires="p14">
+      <p:transition spd="med" p14:dur="700">
+        <p:fade/>
+      </p:transition>
+    </mc:Choice>
+    <mc:Fallback>
+      <p:transition spd="med">
+        <p:fade/>
+      </p:transition>
+    </mc:Fallback>
+  </mc:AlternateContent>
 </p:sldLayout>
 </file>
 
@@ -1713,7 +1797,7 @@
           <a:p>
             <a:fld id="{E15B7D8E-2A20-4C0E-991C-872DBB7459A8}" type="datetimeFigureOut">
               <a:rPr lang="da-DK" smtClean="0"/>
-              <a:t>12-08-2022</a:t>
+              <a:t>26-08-2024</a:t>
             </a:fld>
             <a:endParaRPr lang="da-DK"/>
           </a:p>
@@ -1771,6 +1855,18 @@
   <p:clrMapOvr>
     <a:masterClrMapping/>
   </p:clrMapOvr>
+  <mc:AlternateContent xmlns:mc="http://schemas.openxmlformats.org/markup-compatibility/2006">
+    <mc:Choice xmlns:p14="http://schemas.microsoft.com/office/powerpoint/2010/main" Requires="p14">
+      <p:transition spd="med" p14:dur="700">
+        <p:fade/>
+      </p:transition>
+    </mc:Choice>
+    <mc:Fallback>
+      <p:transition spd="med">
+        <p:fade/>
+      </p:transition>
+    </mc:Fallback>
+  </mc:AlternateContent>
 </p:sldLayout>
 </file>
 
@@ -1808,7 +1904,7 @@
           <a:p>
             <a:fld id="{E15B7D8E-2A20-4C0E-991C-872DBB7459A8}" type="datetimeFigureOut">
               <a:rPr lang="da-DK" smtClean="0"/>
-              <a:t>12-08-2022</a:t>
+              <a:t>26-08-2024</a:t>
             </a:fld>
             <a:endParaRPr lang="da-DK"/>
           </a:p>
@@ -1866,6 +1962,18 @@
   <p:clrMapOvr>
     <a:masterClrMapping/>
   </p:clrMapOvr>
+  <mc:AlternateContent xmlns:mc="http://schemas.openxmlformats.org/markup-compatibility/2006">
+    <mc:Choice xmlns:p14="http://schemas.microsoft.com/office/powerpoint/2010/main" Requires="p14">
+      <p:transition spd="med" p14:dur="700">
+        <p:fade/>
+      </p:transition>
+    </mc:Choice>
+    <mc:Fallback>
+      <p:transition spd="med">
+        <p:fade/>
+      </p:transition>
+    </mc:Fallback>
+  </mc:AlternateContent>
 </p:sldLayout>
 </file>
 
@@ -2083,7 +2191,7 @@
           <a:p>
             <a:fld id="{E15B7D8E-2A20-4C0E-991C-872DBB7459A8}" type="datetimeFigureOut">
               <a:rPr lang="da-DK" smtClean="0"/>
-              <a:t>12-08-2022</a:t>
+              <a:t>26-08-2024</a:t>
             </a:fld>
             <a:endParaRPr lang="da-DK"/>
           </a:p>
@@ -2141,6 +2249,18 @@
   <p:clrMapOvr>
     <a:masterClrMapping/>
   </p:clrMapOvr>
+  <mc:AlternateContent xmlns:mc="http://schemas.openxmlformats.org/markup-compatibility/2006">
+    <mc:Choice xmlns:p14="http://schemas.microsoft.com/office/powerpoint/2010/main" Requires="p14">
+      <p:transition spd="med" p14:dur="700">
+        <p:fade/>
+      </p:transition>
+    </mc:Choice>
+    <mc:Fallback>
+      <p:transition spd="med">
+        <p:fade/>
+      </p:transition>
+    </mc:Fallback>
+  </mc:AlternateContent>
 </p:sldLayout>
 </file>
 
@@ -2335,7 +2455,7 @@
           <a:p>
             <a:fld id="{E15B7D8E-2A20-4C0E-991C-872DBB7459A8}" type="datetimeFigureOut">
               <a:rPr lang="da-DK" smtClean="0"/>
-              <a:t>12-08-2022</a:t>
+              <a:t>26-08-2024</a:t>
             </a:fld>
             <a:endParaRPr lang="da-DK"/>
           </a:p>
@@ -2393,6 +2513,18 @@
   <p:clrMapOvr>
     <a:masterClrMapping/>
   </p:clrMapOvr>
+  <mc:AlternateContent xmlns:mc="http://schemas.openxmlformats.org/markup-compatibility/2006">
+    <mc:Choice xmlns:p14="http://schemas.microsoft.com/office/powerpoint/2010/main" Requires="p14">
+      <p:transition spd="med" p14:dur="700">
+        <p:fade/>
+      </p:transition>
+    </mc:Choice>
+    <mc:Fallback>
+      <p:transition spd="med">
+        <p:fade/>
+      </p:transition>
+    </mc:Fallback>
+  </mc:AlternateContent>
 </p:sldLayout>
 </file>
 
@@ -2546,7 +2678,7 @@
           <a:p>
             <a:fld id="{E15B7D8E-2A20-4C0E-991C-872DBB7459A8}" type="datetimeFigureOut">
               <a:rPr lang="da-DK" smtClean="0"/>
-              <a:t>12-08-2022</a:t>
+              <a:t>26-08-2024</a:t>
             </a:fld>
             <a:endParaRPr lang="da-DK"/>
           </a:p>
@@ -2651,6 +2783,18 @@
     <p:sldLayoutId id="2147483658" r:id="rId10"/>
     <p:sldLayoutId id="2147483659" r:id="rId11"/>
   </p:sldLayoutIdLst>
+  <mc:AlternateContent xmlns:mc="http://schemas.openxmlformats.org/markup-compatibility/2006">
+    <mc:Choice xmlns:p14="http://schemas.microsoft.com/office/powerpoint/2010/main" Requires="p14">
+      <p:transition spd="med" p14:dur="700">
+        <p:fade/>
+      </p:transition>
+    </mc:Choice>
+    <mc:Fallback>
+      <p:transition spd="med">
+        <p:fade/>
+      </p:transition>
+    </mc:Fallback>
+  </mc:AlternateContent>
   <p:txStyles>
     <p:titleStyle>
       <a:lvl1pPr algn="l" defTabSz="914400" rtl="0" eaLnBrk="1" latinLnBrk="0" hangingPunct="1">
@@ -2963,7 +3107,7 @@
         </p:nvSpPr>
         <p:spPr>
           <a:xfrm>
-            <a:off x="1175085" y="1910433"/>
+            <a:off x="1171109" y="1882604"/>
             <a:ext cx="9144000" cy="2312652"/>
           </a:xfrm>
         </p:spPr>
@@ -2997,6 +3141,18 @@
   <p:clrMapOvr>
     <a:masterClrMapping/>
   </p:clrMapOvr>
+  <mc:AlternateContent xmlns:mc="http://schemas.openxmlformats.org/markup-compatibility/2006">
+    <mc:Choice xmlns:p14="http://schemas.microsoft.com/office/powerpoint/2010/main" Requires="p14">
+      <p:transition spd="med" p14:dur="700">
+        <p:fade/>
+      </p:transition>
+    </mc:Choice>
+    <mc:Fallback>
+      <p:transition spd="med">
+        <p:fade/>
+      </p:transition>
+    </mc:Fallback>
+  </mc:AlternateContent>
 </p:sld>
 </file>
 
@@ -3169,6 +3325,18 @@
   <p:clrMapOvr>
     <a:masterClrMapping/>
   </p:clrMapOvr>
+  <mc:AlternateContent xmlns:mc="http://schemas.openxmlformats.org/markup-compatibility/2006">
+    <mc:Choice xmlns:p14="http://schemas.microsoft.com/office/powerpoint/2010/main" Requires="p14">
+      <p:transition spd="med" p14:dur="700">
+        <p:fade/>
+      </p:transition>
+    </mc:Choice>
+    <mc:Fallback>
+      <p:transition spd="med">
+        <p:fade/>
+      </p:transition>
+    </mc:Fallback>
+  </mc:AlternateContent>
 </p:sld>
 </file>
 
@@ -3369,13 +3537,13 @@
   <p:clrMapOvr>
     <a:masterClrMapping/>
   </p:clrMapOvr>
-  <mc:AlternateContent xmlns:mc="http://schemas.openxmlformats.org/markup-compatibility/2006" xmlns:p14="http://schemas.microsoft.com/office/powerpoint/2010/main">
-    <mc:Choice Requires="p14">
+  <mc:AlternateContent xmlns:mc="http://schemas.openxmlformats.org/markup-compatibility/2006">
+    <mc:Choice xmlns:p14="http://schemas.microsoft.com/office/powerpoint/2010/main" Requires="p14">
       <p:transition spd="med" p14:dur="700">
         <p:fade/>
       </p:transition>
     </mc:Choice>
-    <mc:Fallback xmlns="">
+    <mc:Fallback>
       <p:transition spd="med">
         <p:fade/>
       </p:transition>
@@ -3845,13 +4013,13 @@
   <p:clrMapOvr>
     <a:masterClrMapping/>
   </p:clrMapOvr>
-  <mc:AlternateContent xmlns:mc="http://schemas.openxmlformats.org/markup-compatibility/2006" xmlns:p14="http://schemas.microsoft.com/office/powerpoint/2010/main">
-    <mc:Choice Requires="p14">
+  <mc:AlternateContent xmlns:mc="http://schemas.openxmlformats.org/markup-compatibility/2006">
+    <mc:Choice xmlns:p14="http://schemas.microsoft.com/office/powerpoint/2010/main" Requires="p14">
       <p:transition spd="med" p14:dur="700">
         <p:fade/>
       </p:transition>
     </mc:Choice>
-    <mc:Fallback xmlns="">
+    <mc:Fallback>
       <p:transition spd="med">
         <p:fade/>
       </p:transition>
